--- a/src/assets/images/LocalCarOwnerSalesDeck.pptx
+++ b/src/assets/images/LocalCarOwnerSalesDeck.pptx
@@ -16,6 +16,9 @@
     <p:sldId id="261" r:id="rId11"/>
     <p:sldId id="262" r:id="rId12"/>
     <p:sldId id="263" r:id="rId13"/>
+    <p:sldId id="264" r:id="rId14"/>
+    <p:sldId id="265" r:id="rId15"/>
+    <p:sldId id="266" r:id="rId16"/>
   </p:sldIdLst>
   <p:sldSz cy="5143500" cx="9144000"/>
   <p:notesSz cx="6858000" cy="9144000"/>
@@ -792,6 +795,204 @@
 </p:notes>
 </file>
 
+<file path=ppt/notesSlides/notesSlide10.xml><?xml version="1.0" encoding="utf-8"?>
+<p:notes xmlns:a="http://schemas.openxmlformats.org/drawingml/2006/main" xmlns:r="http://schemas.openxmlformats.org/officeDocument/2006/relationships" xmlns:mc="http://schemas.openxmlformats.org/markup-compatibility/2006" xmlns:mv="urn:schemas-microsoft-com:mac:vml" xmlns:p="http://schemas.openxmlformats.org/presentationml/2006/main" xmlns:c="http://schemas.openxmlformats.org/drawingml/2006/chart" xmlns:dgm="http://schemas.openxmlformats.org/drawingml/2006/diagram" xmlns:o="urn:schemas-microsoft-com:office:office" xmlns:v="urn:schemas-microsoft-com:vml" xmlns:pvml="urn:schemas-microsoft-com:office:powerpoint" xmlns:com="http://schemas.openxmlformats.org/drawingml/2006/compatibility" xmlns:p14="http://schemas.microsoft.com/office/powerpoint/2010/main" xmlns:p15="http://schemas.microsoft.com/office/powerpoint/2012/main" showMasterPhAnim="0" showMasterSp="0">
+  <p:cSld>
+    <p:spTree>
+      <p:nvGrpSpPr>
+        <p:cNvPr id="116" name="Shape 116"/>
+        <p:cNvGrpSpPr/>
+        <p:nvPr/>
+      </p:nvGrpSpPr>
+      <p:grpSpPr>
+        <a:xfrm>
+          <a:off x="0" y="0"/>
+          <a:ext cx="0" cy="0"/>
+          <a:chOff x="0" y="0"/>
+          <a:chExt cx="0" cy="0"/>
+        </a:xfrm>
+      </p:grpSpPr>
+      <p:sp>
+        <p:nvSpPr>
+          <p:cNvPr id="117" name="Google Shape;117;g5e2444c61b_1_0:notes"/>
+          <p:cNvSpPr/>
+          <p:nvPr>
+            <p:ph idx="2" type="sldImg"/>
+          </p:nvPr>
+        </p:nvSpPr>
+        <p:spPr>
+          <a:xfrm>
+            <a:off x="1143225" y="685800"/>
+            <a:ext cx="4572300" cy="3429000"/>
+          </a:xfrm>
+          <a:custGeom>
+            <a:rect b="b" l="l" r="r" t="t"/>
+            <a:pathLst>
+              <a:path extrusionOk="0" h="120000" w="120000">
+                <a:moveTo>
+                  <a:pt x="0" y="0"/>
+                </a:moveTo>
+                <a:lnTo>
+                  <a:pt x="120000" y="0"/>
+                </a:lnTo>
+                <a:lnTo>
+                  <a:pt x="120000" y="120000"/>
+                </a:lnTo>
+                <a:lnTo>
+                  <a:pt x="0" y="120000"/>
+                </a:lnTo>
+                <a:close/>
+              </a:path>
+            </a:pathLst>
+          </a:custGeom>
+        </p:spPr>
+      </p:sp>
+      <p:sp>
+        <p:nvSpPr>
+          <p:cNvPr id="118" name="Google Shape;118;g5e2444c61b_1_0:notes"/>
+          <p:cNvSpPr txBox="1"/>
+          <p:nvPr>
+            <p:ph idx="1" type="body"/>
+          </p:nvPr>
+        </p:nvSpPr>
+        <p:spPr>
+          <a:xfrm>
+            <a:off x="685800" y="4343400"/>
+            <a:ext cx="5486400" cy="4114800"/>
+          </a:xfrm>
+          <a:prstGeom prst="rect">
+            <a:avLst/>
+          </a:prstGeom>
+        </p:spPr>
+        <p:txBody>
+          <a:bodyPr anchorCtr="0" anchor="t" bIns="91425" lIns="91425" spcFirstLastPara="1" rIns="91425" wrap="square" tIns="91425">
+            <a:noAutofit/>
+          </a:bodyPr>
+          <a:lstStyle/>
+          <a:p>
+            <a:pPr indent="0" lvl="0" marL="0" rtl="0" algn="l">
+              <a:spcBef>
+                <a:spcPts val="0"/>
+              </a:spcBef>
+              <a:spcAft>
+                <a:spcPts val="0"/>
+              </a:spcAft>
+              <a:buNone/>
+            </a:pPr>
+            <a:r>
+              <a:t/>
+            </a:r>
+            <a:endParaRPr/>
+          </a:p>
+        </p:txBody>
+      </p:sp>
+    </p:spTree>
+  </p:cSld>
+  <p:clrMapOvr>
+    <a:masterClrMapping/>
+  </p:clrMapOvr>
+</p:notes>
+</file>
+
+<file path=ppt/notesSlides/notesSlide11.xml><?xml version="1.0" encoding="utf-8"?>
+<p:notes xmlns:a="http://schemas.openxmlformats.org/drawingml/2006/main" xmlns:r="http://schemas.openxmlformats.org/officeDocument/2006/relationships" xmlns:mc="http://schemas.openxmlformats.org/markup-compatibility/2006" xmlns:mv="urn:schemas-microsoft-com:mac:vml" xmlns:p="http://schemas.openxmlformats.org/presentationml/2006/main" xmlns:c="http://schemas.openxmlformats.org/drawingml/2006/chart" xmlns:dgm="http://schemas.openxmlformats.org/drawingml/2006/diagram" xmlns:o="urn:schemas-microsoft-com:office:office" xmlns:v="urn:schemas-microsoft-com:vml" xmlns:pvml="urn:schemas-microsoft-com:office:powerpoint" xmlns:com="http://schemas.openxmlformats.org/drawingml/2006/compatibility" xmlns:p14="http://schemas.microsoft.com/office/powerpoint/2010/main" xmlns:p15="http://schemas.microsoft.com/office/powerpoint/2012/main" showMasterPhAnim="0" showMasterSp="0">
+  <p:cSld>
+    <p:spTree>
+      <p:nvGrpSpPr>
+        <p:cNvPr id="120" name="Shape 120"/>
+        <p:cNvGrpSpPr/>
+        <p:nvPr/>
+      </p:nvGrpSpPr>
+      <p:grpSpPr>
+        <a:xfrm>
+          <a:off x="0" y="0"/>
+          <a:ext cx="0" cy="0"/>
+          <a:chOff x="0" y="0"/>
+          <a:chExt cx="0" cy="0"/>
+        </a:xfrm>
+      </p:grpSpPr>
+      <p:sp>
+        <p:nvSpPr>
+          <p:cNvPr id="121" name="Google Shape;121;g5e2444c61b_1_3:notes"/>
+          <p:cNvSpPr/>
+          <p:nvPr>
+            <p:ph idx="2" type="sldImg"/>
+          </p:nvPr>
+        </p:nvSpPr>
+        <p:spPr>
+          <a:xfrm>
+            <a:off x="1143225" y="685800"/>
+            <a:ext cx="4572300" cy="3429000"/>
+          </a:xfrm>
+          <a:custGeom>
+            <a:rect b="b" l="l" r="r" t="t"/>
+            <a:pathLst>
+              <a:path extrusionOk="0" h="120000" w="120000">
+                <a:moveTo>
+                  <a:pt x="0" y="0"/>
+                </a:moveTo>
+                <a:lnTo>
+                  <a:pt x="120000" y="0"/>
+                </a:lnTo>
+                <a:lnTo>
+                  <a:pt x="120000" y="120000"/>
+                </a:lnTo>
+                <a:lnTo>
+                  <a:pt x="0" y="120000"/>
+                </a:lnTo>
+                <a:close/>
+              </a:path>
+            </a:pathLst>
+          </a:custGeom>
+        </p:spPr>
+      </p:sp>
+      <p:sp>
+        <p:nvSpPr>
+          <p:cNvPr id="122" name="Google Shape;122;g5e2444c61b_1_3:notes"/>
+          <p:cNvSpPr txBox="1"/>
+          <p:nvPr>
+            <p:ph idx="1" type="body"/>
+          </p:nvPr>
+        </p:nvSpPr>
+        <p:spPr>
+          <a:xfrm>
+            <a:off x="685800" y="4343400"/>
+            <a:ext cx="5486400" cy="4114800"/>
+          </a:xfrm>
+          <a:prstGeom prst="rect">
+            <a:avLst/>
+          </a:prstGeom>
+        </p:spPr>
+        <p:txBody>
+          <a:bodyPr anchorCtr="0" anchor="t" bIns="91425" lIns="91425" spcFirstLastPara="1" rIns="91425" wrap="square" tIns="91425">
+            <a:noAutofit/>
+          </a:bodyPr>
+          <a:lstStyle/>
+          <a:p>
+            <a:pPr indent="0" lvl="0" marL="0" rtl="0" algn="l">
+              <a:spcBef>
+                <a:spcPts val="0"/>
+              </a:spcBef>
+              <a:spcAft>
+                <a:spcPts val="0"/>
+              </a:spcAft>
+              <a:buNone/>
+            </a:pPr>
+            <a:r>
+              <a:t/>
+            </a:r>
+            <a:endParaRPr/>
+          </a:p>
+        </p:txBody>
+      </p:sp>
+    </p:spTree>
+  </p:cSld>
+  <p:clrMapOvr>
+    <a:masterClrMapping/>
+  </p:clrMapOvr>
+</p:notes>
+</file>
+
 <file path=ppt/notesSlides/notesSlide2.xml><?xml version="1.0" encoding="utf-8"?>
 <p:notes xmlns:a="http://schemas.openxmlformats.org/drawingml/2006/main" xmlns:r="http://schemas.openxmlformats.org/officeDocument/2006/relationships" xmlns:mc="http://schemas.openxmlformats.org/markup-compatibility/2006" xmlns:mv="urn:schemas-microsoft-com:mac:vml" xmlns:p="http://schemas.openxmlformats.org/presentationml/2006/main" xmlns:c="http://schemas.openxmlformats.org/drawingml/2006/chart" xmlns:dgm="http://schemas.openxmlformats.org/drawingml/2006/diagram" xmlns:o="urn:schemas-microsoft-com:office:office" xmlns:v="urn:schemas-microsoft-com:vml" xmlns:pvml="urn:schemas-microsoft-com:office:powerpoint" xmlns:com="http://schemas.openxmlformats.org/drawingml/2006/compatibility" xmlns:p14="http://schemas.microsoft.com/office/powerpoint/2010/main" xmlns:p15="http://schemas.microsoft.com/office/powerpoint/2012/main" showMasterPhAnim="0" showMasterSp="0">
   <p:cSld>
@@ -1476,6 +1677,105 @@
             </a:pathLst>
           </a:custGeom>
         </p:spPr>
+      </p:sp>
+    </p:spTree>
+  </p:cSld>
+  <p:clrMapOvr>
+    <a:masterClrMapping/>
+  </p:clrMapOvr>
+</p:notes>
+</file>
+
+<file path=ppt/notesSlides/notesSlide9.xml><?xml version="1.0" encoding="utf-8"?>
+<p:notes xmlns:a="http://schemas.openxmlformats.org/drawingml/2006/main" xmlns:r="http://schemas.openxmlformats.org/officeDocument/2006/relationships" xmlns:mc="http://schemas.openxmlformats.org/markup-compatibility/2006" xmlns:mv="urn:schemas-microsoft-com:mac:vml" xmlns:p="http://schemas.openxmlformats.org/presentationml/2006/main" xmlns:c="http://schemas.openxmlformats.org/drawingml/2006/chart" xmlns:dgm="http://schemas.openxmlformats.org/drawingml/2006/diagram" xmlns:o="urn:schemas-microsoft-com:office:office" xmlns:v="urn:schemas-microsoft-com:vml" xmlns:pvml="urn:schemas-microsoft-com:office:powerpoint" xmlns:com="http://schemas.openxmlformats.org/drawingml/2006/compatibility" xmlns:p14="http://schemas.microsoft.com/office/powerpoint/2010/main" xmlns:p15="http://schemas.microsoft.com/office/powerpoint/2012/main" showMasterPhAnim="0" showMasterSp="0">
+  <p:cSld>
+    <p:spTree>
+      <p:nvGrpSpPr>
+        <p:cNvPr id="112" name="Shape 112"/>
+        <p:cNvGrpSpPr/>
+        <p:nvPr/>
+      </p:nvGrpSpPr>
+      <p:grpSpPr>
+        <a:xfrm>
+          <a:off x="0" y="0"/>
+          <a:ext cx="0" cy="0"/>
+          <a:chOff x="0" y="0"/>
+          <a:chExt cx="0" cy="0"/>
+        </a:xfrm>
+      </p:grpSpPr>
+      <p:sp>
+        <p:nvSpPr>
+          <p:cNvPr id="113" name="Google Shape;113;g5e0462a270_0_3:notes"/>
+          <p:cNvSpPr/>
+          <p:nvPr>
+            <p:ph idx="2" type="sldImg"/>
+          </p:nvPr>
+        </p:nvSpPr>
+        <p:spPr>
+          <a:xfrm>
+            <a:off x="1143225" y="685800"/>
+            <a:ext cx="4572300" cy="3429000"/>
+          </a:xfrm>
+          <a:custGeom>
+            <a:rect b="b" l="l" r="r" t="t"/>
+            <a:pathLst>
+              <a:path extrusionOk="0" h="120000" w="120000">
+                <a:moveTo>
+                  <a:pt x="0" y="0"/>
+                </a:moveTo>
+                <a:lnTo>
+                  <a:pt x="120000" y="0"/>
+                </a:lnTo>
+                <a:lnTo>
+                  <a:pt x="120000" y="120000"/>
+                </a:lnTo>
+                <a:lnTo>
+                  <a:pt x="0" y="120000"/>
+                </a:lnTo>
+                <a:close/>
+              </a:path>
+            </a:pathLst>
+          </a:custGeom>
+        </p:spPr>
+      </p:sp>
+      <p:sp>
+        <p:nvSpPr>
+          <p:cNvPr id="114" name="Google Shape;114;g5e0462a270_0_3:notes"/>
+          <p:cNvSpPr txBox="1"/>
+          <p:nvPr>
+            <p:ph idx="1" type="body"/>
+          </p:nvPr>
+        </p:nvSpPr>
+        <p:spPr>
+          <a:xfrm>
+            <a:off x="685800" y="4343400"/>
+            <a:ext cx="5486400" cy="4114800"/>
+          </a:xfrm>
+          <a:prstGeom prst="rect">
+            <a:avLst/>
+          </a:prstGeom>
+        </p:spPr>
+        <p:txBody>
+          <a:bodyPr anchorCtr="0" anchor="t" bIns="91425" lIns="91425" spcFirstLastPara="1" rIns="91425" wrap="square" tIns="91425">
+            <a:noAutofit/>
+          </a:bodyPr>
+          <a:lstStyle/>
+          <a:p>
+            <a:pPr indent="0" lvl="0" marL="0" rtl="0" algn="l">
+              <a:spcBef>
+                <a:spcPts val="0"/>
+              </a:spcBef>
+              <a:spcAft>
+                <a:spcPts val="0"/>
+              </a:spcAft>
+              <a:buNone/>
+            </a:pPr>
+            <a:r>
+              <a:t/>
+            </a:r>
+            <a:endParaRPr/>
+          </a:p>
+        </p:txBody>
       </p:sp>
     </p:spTree>
   </p:cSld>
@@ -11333,6 +11633,80 @@
 </p:sld>
 </file>
 
+<file path=ppt/slides/slide10.xml><?xml version="1.0" encoding="utf-8"?>
+<p:sld xmlns:a="http://schemas.openxmlformats.org/drawingml/2006/main" xmlns:r="http://schemas.openxmlformats.org/officeDocument/2006/relationships" xmlns:mc="http://schemas.openxmlformats.org/markup-compatibility/2006" xmlns:mv="urn:schemas-microsoft-com:mac:vml" xmlns:p="http://schemas.openxmlformats.org/presentationml/2006/main" xmlns:c="http://schemas.openxmlformats.org/drawingml/2006/chart" xmlns:dgm="http://schemas.openxmlformats.org/drawingml/2006/diagram" xmlns:o="urn:schemas-microsoft-com:office:office" xmlns:v="urn:schemas-microsoft-com:vml" xmlns:pvml="urn:schemas-microsoft-com:office:powerpoint" xmlns:com="http://schemas.openxmlformats.org/drawingml/2006/compatibility" xmlns:p14="http://schemas.microsoft.com/office/powerpoint/2010/main" xmlns:p15="http://schemas.microsoft.com/office/powerpoint/2012/main">
+  <p:cSld>
+    <p:bg>
+      <p:bgPr>
+        <a:blipFill>
+          <a:blip r:embed="rId3">
+            <a:alphaModFix/>
+          </a:blip>
+          <a:stretch>
+            <a:fillRect/>
+          </a:stretch>
+        </a:blipFill>
+      </p:bgPr>
+    </p:bg>
+    <p:spTree>
+      <p:nvGrpSpPr>
+        <p:cNvPr id="119" name="Shape 119"/>
+        <p:cNvGrpSpPr/>
+        <p:nvPr/>
+      </p:nvGrpSpPr>
+      <p:grpSpPr>
+        <a:xfrm>
+          <a:off x="0" y="0"/>
+          <a:ext cx="0" cy="0"/>
+          <a:chOff x="0" y="0"/>
+          <a:chExt cx="0" cy="0"/>
+        </a:xfrm>
+      </p:grpSpPr>
+    </p:spTree>
+  </p:cSld>
+  <p:clrMapOvr>
+    <a:masterClrMapping/>
+  </p:clrMapOvr>
+</p:sld>
+</file>
+
+<file path=ppt/slides/slide11.xml><?xml version="1.0" encoding="utf-8"?>
+<p:sld xmlns:a="http://schemas.openxmlformats.org/drawingml/2006/main" xmlns:r="http://schemas.openxmlformats.org/officeDocument/2006/relationships" xmlns:mc="http://schemas.openxmlformats.org/markup-compatibility/2006" xmlns:mv="urn:schemas-microsoft-com:mac:vml" xmlns:p="http://schemas.openxmlformats.org/presentationml/2006/main" xmlns:c="http://schemas.openxmlformats.org/drawingml/2006/chart" xmlns:dgm="http://schemas.openxmlformats.org/drawingml/2006/diagram" xmlns:o="urn:schemas-microsoft-com:office:office" xmlns:v="urn:schemas-microsoft-com:vml" xmlns:pvml="urn:schemas-microsoft-com:office:powerpoint" xmlns:com="http://schemas.openxmlformats.org/drawingml/2006/compatibility" xmlns:p14="http://schemas.microsoft.com/office/powerpoint/2010/main" xmlns:p15="http://schemas.microsoft.com/office/powerpoint/2012/main">
+  <p:cSld>
+    <p:bg>
+      <p:bgPr>
+        <a:blipFill>
+          <a:blip r:embed="rId3">
+            <a:alphaModFix/>
+          </a:blip>
+          <a:stretch>
+            <a:fillRect/>
+          </a:stretch>
+        </a:blipFill>
+      </p:bgPr>
+    </p:bg>
+    <p:spTree>
+      <p:nvGrpSpPr>
+        <p:cNvPr id="123" name="Shape 123"/>
+        <p:cNvGrpSpPr/>
+        <p:nvPr/>
+      </p:nvGrpSpPr>
+      <p:grpSpPr>
+        <a:xfrm>
+          <a:off x="0" y="0"/>
+          <a:ext cx="0" cy="0"/>
+          <a:chOff x="0" y="0"/>
+          <a:chExt cx="0" cy="0"/>
+        </a:xfrm>
+      </p:grpSpPr>
+    </p:spTree>
+  </p:cSld>
+  <p:clrMapOvr>
+    <a:masterClrMapping/>
+  </p:clrMapOvr>
+</p:sld>
+</file>
+
 <file path=ppt/slides/slide2.xml><?xml version="1.0" encoding="utf-8"?>
 <p:sld xmlns:a="http://schemas.openxmlformats.org/drawingml/2006/main" xmlns:r="http://schemas.openxmlformats.org/officeDocument/2006/relationships" xmlns:mc="http://schemas.openxmlformats.org/markup-compatibility/2006" xmlns:mv="urn:schemas-microsoft-com:mac:vml" xmlns:p="http://schemas.openxmlformats.org/presentationml/2006/main" xmlns:c="http://schemas.openxmlformats.org/drawingml/2006/chart" xmlns:dgm="http://schemas.openxmlformats.org/drawingml/2006/diagram" xmlns:o="urn:schemas-microsoft-com:office:office" xmlns:v="urn:schemas-microsoft-com:vml" xmlns:pvml="urn:schemas-microsoft-com:office:powerpoint" xmlns:com="http://schemas.openxmlformats.org/drawingml/2006/compatibility" xmlns:p14="http://schemas.microsoft.com/office/powerpoint/2010/main" xmlns:p15="http://schemas.microsoft.com/office/powerpoint/2012/main">
   <p:cSld>
@@ -11573,6 +11947,43 @@
     <p:spTree>
       <p:nvGrpSpPr>
         <p:cNvPr id="111" name="Shape 111"/>
+        <p:cNvGrpSpPr/>
+        <p:nvPr/>
+      </p:nvGrpSpPr>
+      <p:grpSpPr>
+        <a:xfrm>
+          <a:off x="0" y="0"/>
+          <a:ext cx="0" cy="0"/>
+          <a:chOff x="0" y="0"/>
+          <a:chExt cx="0" cy="0"/>
+        </a:xfrm>
+      </p:grpSpPr>
+    </p:spTree>
+  </p:cSld>
+  <p:clrMapOvr>
+    <a:masterClrMapping/>
+  </p:clrMapOvr>
+</p:sld>
+</file>
+
+<file path=ppt/slides/slide9.xml><?xml version="1.0" encoding="utf-8"?>
+<p:sld xmlns:a="http://schemas.openxmlformats.org/drawingml/2006/main" xmlns:r="http://schemas.openxmlformats.org/officeDocument/2006/relationships" xmlns:mc="http://schemas.openxmlformats.org/markup-compatibility/2006" xmlns:mv="urn:schemas-microsoft-com:mac:vml" xmlns:p="http://schemas.openxmlformats.org/presentationml/2006/main" xmlns:c="http://schemas.openxmlformats.org/drawingml/2006/chart" xmlns:dgm="http://schemas.openxmlformats.org/drawingml/2006/diagram" xmlns:o="urn:schemas-microsoft-com:office:office" xmlns:v="urn:schemas-microsoft-com:vml" xmlns:pvml="urn:schemas-microsoft-com:office:powerpoint" xmlns:com="http://schemas.openxmlformats.org/drawingml/2006/compatibility" xmlns:p14="http://schemas.microsoft.com/office/powerpoint/2010/main" xmlns:p15="http://schemas.microsoft.com/office/powerpoint/2012/main">
+  <p:cSld>
+    <p:bg>
+      <p:bgPr>
+        <a:blipFill>
+          <a:blip r:embed="rId3">
+            <a:alphaModFix/>
+          </a:blip>
+          <a:stretch>
+            <a:fillRect/>
+          </a:stretch>
+        </a:blipFill>
+      </p:bgPr>
+    </p:bg>
+    <p:spTree>
+      <p:nvGrpSpPr>
+        <p:cNvPr id="115" name="Shape 115"/>
         <p:cNvGrpSpPr/>
         <p:nvPr/>
       </p:nvGrpSpPr>
